--- a/inst/resources/templateUNHCR.pptx
+++ b/inst/resources/templateUNHCR.pptx
@@ -215,7 +215,7 @@
           <a:p>
             <a:fld id="{468012B1-E1DC-4352-8B1C-5C2DD5160B3B}" type="datetimeFigureOut">
               <a:rPr lang="en-US" smtClean="0"/>
-              <a:t>24-Mar-20</a:t>
+              <a:t>16-Nov-20</a:t>
             </a:fld>
             <a:endParaRPr lang="en-US"/>
           </a:p>
@@ -392,7 +392,7 @@
           <a:p>
             <a:fld id="{F3696079-EBA5-8C41-96F3-032D52D44482}" type="datetimeFigureOut">
               <a:rPr lang="en-US" smtClean="0"/>
-              <a:t>24-Mar-20</a:t>
+              <a:t>16-Nov-20</a:t>
             </a:fld>
             <a:endParaRPr lang="en-US"/>
           </a:p>
@@ -921,15 +921,17 @@
         </p:nvSpPr>
         <p:spPr>
           <a:xfrm>
-            <a:off x="183480" y="259882"/>
-            <a:ext cx="11768375" cy="1028751"/>
+            <a:off x="183479" y="151025"/>
+            <a:ext cx="11768375" cy="523889"/>
           </a:xfrm>
         </p:spPr>
         <p:txBody>
-          <a:bodyPr/>
+          <a:bodyPr>
+            <a:normAutofit/>
+          </a:bodyPr>
           <a:lstStyle>
             <a:lvl1pPr>
-              <a:defRPr b="1">
+              <a:defRPr sz="2800" b="1">
                 <a:solidFill>
                   <a:srgbClr val="0072BC"/>
                 </a:solidFill>
@@ -958,8 +960,8 @@
         </p:nvSpPr>
         <p:spPr>
           <a:xfrm>
-            <a:off x="183480" y="1479116"/>
-            <a:ext cx="11768375" cy="4411546"/>
+            <a:off x="183479" y="674914"/>
+            <a:ext cx="11825042" cy="6032061"/>
           </a:xfrm>
         </p:spPr>
         <p:txBody>
